--- a/docs/Verteidigung/VerteidigungPraesentation.pptx
+++ b/docs/Verteidigung/VerteidigungPraesentation.pptx
@@ -4706,7 +4706,7 @@
           <a:p>
             <a:r>
               <a:rPr lang="de-DE" dirty="0"/>
-              <a:t>Die neu entwickelte Technologie Flower ermöglicht eine hardwarenahe Entwicklung von Benutzeroberflächen unter Verwendung moderner Design-Konzepte</a:t>
+              <a:t>Die neu entwickelte Technologie Flower ermöglicht eine hardwarenahe Entwicklung von Benutzeroberflächen unter Verwendung moderner Software-Konzepte</a:t>
             </a:r>
           </a:p>
           <a:p>

--- a/docs/Verteidigung/VerteidigungPraesentation.pptx
+++ b/docs/Verteidigung/VerteidigungPraesentation.pptx
@@ -19,19 +19,19 @@
     <p:sldId id="267" r:id="rId7"/>
     <p:sldId id="290" r:id="rId8"/>
     <p:sldId id="292" r:id="rId9"/>
-    <p:sldId id="291" r:id="rId10"/>
-    <p:sldId id="283" r:id="rId11"/>
-    <p:sldId id="284" r:id="rId12"/>
-    <p:sldId id="272" r:id="rId13"/>
-    <p:sldId id="293" r:id="rId14"/>
-    <p:sldId id="277" r:id="rId15"/>
-    <p:sldId id="294" r:id="rId16"/>
-    <p:sldId id="286" r:id="rId17"/>
-    <p:sldId id="296" r:id="rId18"/>
-    <p:sldId id="297" r:id="rId19"/>
-    <p:sldId id="298" r:id="rId20"/>
-    <p:sldId id="285" r:id="rId21"/>
-    <p:sldId id="299" r:id="rId22"/>
+    <p:sldId id="302" r:id="rId10"/>
+    <p:sldId id="291" r:id="rId11"/>
+    <p:sldId id="283" r:id="rId12"/>
+    <p:sldId id="284" r:id="rId13"/>
+    <p:sldId id="272" r:id="rId14"/>
+    <p:sldId id="293" r:id="rId15"/>
+    <p:sldId id="277" r:id="rId16"/>
+    <p:sldId id="294" r:id="rId17"/>
+    <p:sldId id="286" r:id="rId18"/>
+    <p:sldId id="285" r:id="rId19"/>
+    <p:sldId id="303" r:id="rId20"/>
+    <p:sldId id="299" r:id="rId21"/>
+    <p:sldId id="296" r:id="rId22"/>
     <p:sldId id="301" r:id="rId23"/>
     <p:sldId id="300" r:id="rId24"/>
     <p:sldId id="266" r:id="rId25"/>
@@ -2906,6 +2906,139 @@
       </p:grpSpPr>
       <p:sp>
         <p:nvSpPr>
+          <p:cNvPr id="2" name="Inhaltsplatzhalter 1">
+            <a:extLst>
+              <a:ext uri="{FF2B5EF4-FFF2-40B4-BE49-F238E27FC236}">
+                <a16:creationId xmlns:a16="http://schemas.microsoft.com/office/drawing/2014/main" id="{0BCAACA1-CDCC-4489-A705-8F7EA67D0079}"/>
+              </a:ext>
+            </a:extLst>
+          </p:cNvPr>
+          <p:cNvSpPr>
+            <a:spLocks noGrp="1"/>
+          </p:cNvSpPr>
+          <p:nvPr>
+            <p:ph idx="1"/>
+          </p:nvPr>
+        </p:nvSpPr>
+        <p:spPr/>
+        <p:txBody>
+          <a:bodyPr/>
+          <a:lstStyle/>
+          <a:p>
+            <a:pPr marL="0" indent="0">
+              <a:buNone/>
+            </a:pPr>
+            <a:endParaRPr lang="de-DE" dirty="0"/>
+          </a:p>
+          <a:p>
+            <a:pPr marL="0" indent="0">
+              <a:buNone/>
+            </a:pPr>
+            <a:endParaRPr lang="de-DE" dirty="0"/>
+          </a:p>
+          <a:p>
+            <a:pPr marL="0" indent="0">
+              <a:buNone/>
+            </a:pPr>
+            <a:endParaRPr lang="de-DE" dirty="0"/>
+          </a:p>
+          <a:p>
+            <a:pPr marL="0" indent="0">
+              <a:buNone/>
+            </a:pPr>
+            <a:endParaRPr lang="de-DE" dirty="0"/>
+          </a:p>
+          <a:p>
+            <a:pPr marL="0" indent="0">
+              <a:buNone/>
+            </a:pPr>
+            <a:endParaRPr lang="de-DE" dirty="0"/>
+          </a:p>
+          <a:p>
+            <a:pPr marL="0" indent="0">
+              <a:buNone/>
+            </a:pPr>
+            <a:r>
+              <a:rPr lang="de-DE" dirty="0"/>
+              <a:t>Modernes Software-Konzept für Benutzeroberflächengestaltung:</a:t>
+            </a:r>
+          </a:p>
+          <a:p>
+            <a:r>
+              <a:rPr lang="de-DE" dirty="0"/>
+              <a:t>Model-View-</a:t>
+            </a:r>
+            <a:r>
+              <a:rPr lang="de-DE" dirty="0" err="1"/>
+              <a:t>Presenter</a:t>
+            </a:r>
+            <a:r>
+              <a:rPr lang="de-DE" dirty="0"/>
+              <a:t> (MVP)!</a:t>
+            </a:r>
+          </a:p>
+        </p:txBody>
+      </p:sp>
+      <p:sp>
+        <p:nvSpPr>
+          <p:cNvPr id="3" name="Titel 2">
+            <a:extLst>
+              <a:ext uri="{FF2B5EF4-FFF2-40B4-BE49-F238E27FC236}">
+                <a16:creationId xmlns:a16="http://schemas.microsoft.com/office/drawing/2014/main" id="{A5B060C7-06AB-409E-9350-A4C0FAB00E34}"/>
+              </a:ext>
+            </a:extLst>
+          </p:cNvPr>
+          <p:cNvSpPr>
+            <a:spLocks noGrp="1"/>
+          </p:cNvSpPr>
+          <p:nvPr>
+            <p:ph type="title"/>
+          </p:nvPr>
+        </p:nvSpPr>
+        <p:spPr/>
+        <p:txBody>
+          <a:bodyPr/>
+          <a:lstStyle/>
+          <a:p>
+            <a:r>
+              <a:rPr lang="de-DE" dirty="0"/>
+              <a:t>Auszug aus Vorbetrachtungen</a:t>
+            </a:r>
+          </a:p>
+        </p:txBody>
+      </p:sp>
+    </p:spTree>
+    <p:extLst>
+      <p:ext uri="{BB962C8B-B14F-4D97-AF65-F5344CB8AC3E}">
+        <p14:creationId xmlns:p14="http://schemas.microsoft.com/office/powerpoint/2010/main" val="3407439107"/>
+      </p:ext>
+    </p:extLst>
+  </p:cSld>
+  <p:clrMapOvr>
+    <a:masterClrMapping/>
+  </p:clrMapOvr>
+</p:sld>
+</file>
+
+<file path=ppt/slides/slide11.xml><?xml version="1.0" encoding="utf-8"?>
+<p:sld xmlns:a="http://schemas.openxmlformats.org/drawingml/2006/main" xmlns:r="http://schemas.openxmlformats.org/officeDocument/2006/relationships" xmlns:p="http://schemas.openxmlformats.org/presentationml/2006/main">
+  <p:cSld>
+    <p:spTree>
+      <p:nvGrpSpPr>
+        <p:cNvPr id="1" name=""/>
+        <p:cNvGrpSpPr/>
+        <p:nvPr/>
+      </p:nvGrpSpPr>
+      <p:grpSpPr>
+        <a:xfrm>
+          <a:off x="0" y="0"/>
+          <a:ext cx="0" cy="0"/>
+          <a:chOff x="0" y="0"/>
+          <a:chExt cx="0" cy="0"/>
+        </a:xfrm>
+      </p:grpSpPr>
+      <p:sp>
+        <p:nvSpPr>
           <p:cNvPr id="3" name="Titel 2">
             <a:extLst>
               <a:ext uri="{FF2B5EF4-FFF2-40B4-BE49-F238E27FC236}">
@@ -3010,140 +3143,6 @@
     <p:extLst>
       <p:ext uri="{BB962C8B-B14F-4D97-AF65-F5344CB8AC3E}">
         <p14:creationId xmlns:p14="http://schemas.microsoft.com/office/powerpoint/2010/main" val="1487839702"/>
-      </p:ext>
-    </p:extLst>
-  </p:cSld>
-  <p:clrMapOvr>
-    <a:masterClrMapping/>
-  </p:clrMapOvr>
-</p:sld>
-</file>
-
-<file path=ppt/slides/slide11.xml><?xml version="1.0" encoding="utf-8"?>
-<p:sld xmlns:a="http://schemas.openxmlformats.org/drawingml/2006/main" xmlns:r="http://schemas.openxmlformats.org/officeDocument/2006/relationships" xmlns:p="http://schemas.openxmlformats.org/presentationml/2006/main">
-  <p:cSld>
-    <p:spTree>
-      <p:nvGrpSpPr>
-        <p:cNvPr id="1" name=""/>
-        <p:cNvGrpSpPr/>
-        <p:nvPr/>
-      </p:nvGrpSpPr>
-      <p:grpSpPr>
-        <a:xfrm>
-          <a:off x="0" y="0"/>
-          <a:ext cx="0" cy="0"/>
-          <a:chOff x="0" y="0"/>
-          <a:chExt cx="0" cy="0"/>
-        </a:xfrm>
-      </p:grpSpPr>
-      <p:sp>
-        <p:nvSpPr>
-          <p:cNvPr id="2" name="Inhaltsplatzhalter 1">
-            <a:extLst>
-              <a:ext uri="{FF2B5EF4-FFF2-40B4-BE49-F238E27FC236}">
-                <a16:creationId xmlns:a16="http://schemas.microsoft.com/office/drawing/2014/main" id="{0BCAACA1-CDCC-4489-A705-8F7EA67D0079}"/>
-              </a:ext>
-            </a:extLst>
-          </p:cNvPr>
-          <p:cNvSpPr>
-            <a:spLocks noGrp="1"/>
-          </p:cNvSpPr>
-          <p:nvPr>
-            <p:ph idx="1"/>
-          </p:nvPr>
-        </p:nvSpPr>
-        <p:spPr/>
-        <p:txBody>
-          <a:bodyPr/>
-          <a:lstStyle/>
-          <a:p>
-            <a:pPr marL="0" indent="0">
-              <a:buNone/>
-            </a:pPr>
-            <a:endParaRPr lang="de-DE" dirty="0"/>
-          </a:p>
-          <a:p>
-            <a:pPr marL="0" indent="0">
-              <a:buNone/>
-            </a:pPr>
-            <a:endParaRPr lang="de-DE" dirty="0"/>
-          </a:p>
-          <a:p>
-            <a:pPr marL="0" indent="0">
-              <a:buNone/>
-            </a:pPr>
-            <a:endParaRPr lang="de-DE" dirty="0"/>
-          </a:p>
-          <a:p>
-            <a:pPr marL="0" indent="0">
-              <a:buNone/>
-            </a:pPr>
-            <a:endParaRPr lang="de-DE" dirty="0"/>
-          </a:p>
-          <a:p>
-            <a:pPr marL="0" indent="0">
-              <a:buNone/>
-            </a:pPr>
-            <a:r>
-              <a:rPr lang="de-DE" dirty="0"/>
-              <a:t>Eine Auszeichnungssprache (zu engl. „Markup Language“) ist eine Computersprache, welche ein Dokument um syntaktische Elemente erweitert um eine maschinelle Verarbeitung zu ermöglichen.</a:t>
-            </a:r>
-          </a:p>
-          <a:p>
-            <a:pPr marL="0" indent="0">
-              <a:buNone/>
-            </a:pPr>
-            <a:endParaRPr lang="de-DE" dirty="0"/>
-          </a:p>
-          <a:p>
-            <a:pPr marL="0" indent="0">
-              <a:buNone/>
-            </a:pPr>
-            <a:r>
-              <a:rPr lang="de-DE" sz="1200" dirty="0"/>
-              <a:t>Quelle: „Markup Language Definition“. [Online]. Verfügbar unter: https://techterms.com/definition/markup_language. [Zugegriffen: 04-Okt-2018].</a:t>
-            </a:r>
-          </a:p>
-          <a:p>
-            <a:pPr marL="0" indent="0">
-              <a:buNone/>
-            </a:pPr>
-            <a:endParaRPr lang="de-DE" dirty="0"/>
-          </a:p>
-        </p:txBody>
-      </p:sp>
-      <p:sp>
-        <p:nvSpPr>
-          <p:cNvPr id="3" name="Titel 2">
-            <a:extLst>
-              <a:ext uri="{FF2B5EF4-FFF2-40B4-BE49-F238E27FC236}">
-                <a16:creationId xmlns:a16="http://schemas.microsoft.com/office/drawing/2014/main" id="{A5B060C7-06AB-409E-9350-A4C0FAB00E34}"/>
-              </a:ext>
-            </a:extLst>
-          </p:cNvPr>
-          <p:cNvSpPr>
-            <a:spLocks noGrp="1"/>
-          </p:cNvSpPr>
-          <p:nvPr>
-            <p:ph type="title"/>
-          </p:nvPr>
-        </p:nvSpPr>
-        <p:spPr/>
-        <p:txBody>
-          <a:bodyPr/>
-          <a:lstStyle/>
-          <a:p>
-            <a:r>
-              <a:rPr lang="de-DE" dirty="0"/>
-              <a:t>Auszug aus Auszeichnungssprachen</a:t>
-            </a:r>
-          </a:p>
-        </p:txBody>
-      </p:sp>
-    </p:spTree>
-    <p:extLst>
-      <p:ext uri="{BB962C8B-B14F-4D97-AF65-F5344CB8AC3E}">
-        <p14:creationId xmlns:p14="http://schemas.microsoft.com/office/powerpoint/2010/main" val="1618666215"/>
       </p:ext>
     </p:extLst>
   </p:cSld>
@@ -3200,54 +3199,7 @@
             <a:pPr marL="0" indent="0">
               <a:buNone/>
             </a:pPr>
-            <a:r>
-              <a:rPr lang="de-DE" dirty="0"/>
-              <a:t>Verwendung:</a:t>
-            </a:r>
-          </a:p>
-          <a:p>
-            <a:r>
-              <a:rPr lang="de-DE" dirty="0"/>
-              <a:t>Schreiben von Textdokumenten (z. Bsp. „</a:t>
-            </a:r>
-            <a:r>
-              <a:rPr lang="de-DE" dirty="0" err="1"/>
-              <a:t>Markdown</a:t>
-            </a:r>
-            <a:r>
-              <a:rPr lang="de-DE" dirty="0"/>
-              <a:t>“)</a:t>
-            </a:r>
-          </a:p>
-          <a:p>
-            <a:r>
-              <a:rPr lang="de-DE" dirty="0"/>
-              <a:t>Abbilden von Websites (z. Bsp. „HTML“)</a:t>
-            </a:r>
-          </a:p>
-          <a:p>
-            <a:r>
-              <a:rPr lang="de-DE" dirty="0"/>
-              <a:t>Datenaustausch zwischen Rechnerprogrammen (z. Bsp. „XML“)</a:t>
-            </a:r>
-          </a:p>
-          <a:p>
-            <a:r>
-              <a:rPr lang="de-DE" dirty="0"/>
-              <a:t>Beschreibung von Serverkonfigurationen (z. Bsp. „YAML“)</a:t>
-            </a:r>
-          </a:p>
-          <a:p>
-            <a:r>
-              <a:rPr lang="de-DE" dirty="0"/>
-              <a:t>Definition der Metadaten einer Datei (z. Bsp. „XML“)</a:t>
-            </a:r>
-          </a:p>
-          <a:p>
-            <a:r>
-              <a:rPr lang="de-DE" dirty="0"/>
-              <a:t>Graphische Oberflächengestaltung von Anwendungen (z. Bsp. „XAML“)</a:t>
-            </a:r>
+            <a:endParaRPr lang="de-DE" dirty="0"/>
           </a:p>
           <a:p>
             <a:pPr marL="0" indent="0">
@@ -3259,12 +3211,36 @@
             <a:pPr marL="0" indent="0">
               <a:buNone/>
             </a:pPr>
-            <a:r>
-              <a:rPr lang="de-DE" dirty="0">
-                <a:sym typeface="Wingdings" panose="05000000000000000000" pitchFamily="2" charset="2"/>
-              </a:rPr>
-              <a:t> Letzter Aspekt relevant!</a:t>
-            </a:r>
+            <a:endParaRPr lang="de-DE" dirty="0"/>
+          </a:p>
+          <a:p>
+            <a:pPr marL="0" indent="0">
+              <a:buNone/>
+            </a:pPr>
+            <a:r>
+              <a:rPr lang="de-DE" dirty="0"/>
+              <a:t>Eine Auszeichnungssprache (zu engl. „Markup Language“) ist eine Computersprache, welche ein Dokument um syntaktische Elemente erweitert um eine maschinelle Verarbeitung zu ermöglichen.</a:t>
+            </a:r>
+          </a:p>
+          <a:p>
+            <a:pPr marL="0" indent="0">
+              <a:buNone/>
+            </a:pPr>
+            <a:endParaRPr lang="de-DE" dirty="0"/>
+          </a:p>
+          <a:p>
+            <a:pPr marL="0" indent="0">
+              <a:buNone/>
+            </a:pPr>
+            <a:r>
+              <a:rPr lang="de-DE" sz="1200" dirty="0"/>
+              <a:t>Quelle: „Markup Language Definition“. [Online]. Verfügbar unter: https://techterms.com/definition/markup_language. [Zugegriffen: 04-Okt-2018].</a:t>
+            </a:r>
+          </a:p>
+          <a:p>
+            <a:pPr marL="0" indent="0">
+              <a:buNone/>
+            </a:pPr>
             <a:endParaRPr lang="de-DE" dirty="0"/>
           </a:p>
         </p:txBody>
@@ -3300,7 +3276,7 @@
     </p:spTree>
     <p:extLst>
       <p:ext uri="{BB962C8B-B14F-4D97-AF65-F5344CB8AC3E}">
-        <p14:creationId xmlns:p14="http://schemas.microsoft.com/office/powerpoint/2010/main" val="2919254701"/>
+        <p14:creationId xmlns:p14="http://schemas.microsoft.com/office/powerpoint/2010/main" val="1618666215"/>
       </p:ext>
     </p:extLst>
   </p:cSld>
@@ -3357,60 +3333,72 @@
             <a:pPr marL="0" indent="0">
               <a:buNone/>
             </a:pPr>
-            <a:endParaRPr lang="de-DE" dirty="0"/>
+            <a:r>
+              <a:rPr lang="de-DE" dirty="0"/>
+              <a:t>Verwendung:</a:t>
+            </a:r>
+          </a:p>
+          <a:p>
+            <a:r>
+              <a:rPr lang="de-DE" dirty="0"/>
+              <a:t>Schreiben von Textdokumenten (z. Bsp. „</a:t>
+            </a:r>
+            <a:r>
+              <a:rPr lang="de-DE" dirty="0" err="1"/>
+              <a:t>Markdown</a:t>
+            </a:r>
+            <a:r>
+              <a:rPr lang="de-DE" dirty="0"/>
+              <a:t>“)</a:t>
+            </a:r>
+          </a:p>
+          <a:p>
+            <a:r>
+              <a:rPr lang="de-DE" dirty="0"/>
+              <a:t>Abbilden von Websites (z. Bsp. „HTML“)</a:t>
+            </a:r>
+          </a:p>
+          <a:p>
+            <a:r>
+              <a:rPr lang="de-DE" dirty="0"/>
+              <a:t>Datenaustausch zwischen Rechnerprogrammen (z. Bsp. „XML“)</a:t>
+            </a:r>
+          </a:p>
+          <a:p>
+            <a:r>
+              <a:rPr lang="de-DE" dirty="0"/>
+              <a:t>Beschreibung von Serverkonfigurationen (z. Bsp. „YAML“)</a:t>
+            </a:r>
+          </a:p>
+          <a:p>
+            <a:r>
+              <a:rPr lang="de-DE" dirty="0"/>
+              <a:t>Definition der Metadaten einer Datei (z. Bsp. „XML“)</a:t>
+            </a:r>
+          </a:p>
+          <a:p>
+            <a:r>
+              <a:rPr lang="de-DE" dirty="0"/>
+              <a:t>Graphische Oberflächengestaltung von Anwendungen (z. Bsp. „XAML“)</a:t>
+            </a:r>
           </a:p>
           <a:p>
             <a:pPr marL="0" indent="0">
               <a:buNone/>
             </a:pPr>
-            <a:r>
-              <a:rPr lang="de-DE" dirty="0"/>
-              <a:t>2 Grundsätze:</a:t>
-            </a:r>
-          </a:p>
-          <a:p>
-            <a:r>
-              <a:rPr lang="de-DE" dirty="0"/>
-              <a:t>Deklarative Eigenschaft von Auszeichnungssprachen </a:t>
-            </a:r>
+            <a:endParaRPr lang="de-DE" dirty="0"/>
+          </a:p>
+          <a:p>
+            <a:pPr marL="0" indent="0">
+              <a:buNone/>
+            </a:pPr>
             <a:r>
               <a:rPr lang="de-DE" dirty="0">
                 <a:sym typeface="Wingdings" panose="05000000000000000000" pitchFamily="2" charset="2"/>
               </a:rPr>
-              <a:t> </a:t>
-            </a:r>
-            <a:r>
-              <a:rPr lang="de-DE" dirty="0"/>
-              <a:t>Beschreibung der Struktur der Dokumente und deren Attribute; keine konkreten Programmabläufe</a:t>
-            </a:r>
-          </a:p>
-          <a:p>
-            <a:r>
-              <a:rPr lang="de-DE" dirty="0"/>
-              <a:t>Strikte Eigenschaft von Auszeichnungssprachen, daher kein Spielraum für Interpretationen vorhanden </a:t>
-            </a:r>
-            <a:r>
-              <a:rPr lang="de-DE" dirty="0">
-                <a:sym typeface="Wingdings" panose="05000000000000000000" pitchFamily="2" charset="2"/>
-              </a:rPr>
-              <a:t> </a:t>
-            </a:r>
-            <a:r>
-              <a:rPr lang="de-DE" dirty="0"/>
-              <a:t>Auswertung in Programmen möglich</a:t>
-            </a:r>
-          </a:p>
-          <a:p>
+              <a:t> Letzter Aspekt relevant!</a:t>
+            </a:r>
             <a:endParaRPr lang="de-DE" dirty="0"/>
-          </a:p>
-          <a:p>
-            <a:pPr marL="0" indent="0">
-              <a:buNone/>
-            </a:pPr>
-            <a:r>
-              <a:rPr lang="de-DE" sz="1200" dirty="0"/>
-              <a:t>International Standard Organisation (ISO) 8879:1986 </a:t>
-            </a:r>
           </a:p>
         </p:txBody>
       </p:sp>
@@ -3445,7 +3433,7 @@
     </p:spTree>
     <p:extLst>
       <p:ext uri="{BB962C8B-B14F-4D97-AF65-F5344CB8AC3E}">
-        <p14:creationId xmlns:p14="http://schemas.microsoft.com/office/powerpoint/2010/main" val="84852499"/>
+        <p14:creationId xmlns:p14="http://schemas.microsoft.com/office/powerpoint/2010/main" val="2919254701"/>
       </p:ext>
     </p:extLst>
   </p:cSld>
@@ -3493,83 +3481,68 @@
           <a:bodyPr/>
           <a:lstStyle/>
           <a:p>
-            <a:pPr marL="457200" indent="-457200">
-              <a:buFont typeface="+mj-lt"/>
-              <a:buAutoNum type="arabicPeriod"/>
+            <a:pPr marL="0" indent="0">
+              <a:buNone/>
             </a:pPr>
+            <a:endParaRPr lang="de-DE" dirty="0"/>
+          </a:p>
+          <a:p>
+            <a:pPr marL="0" indent="0">
+              <a:buNone/>
+            </a:pPr>
+            <a:endParaRPr lang="de-DE" dirty="0"/>
+          </a:p>
+          <a:p>
+            <a:pPr marL="0" indent="0">
+              <a:buNone/>
+            </a:pPr>
             <a:r>
               <a:rPr lang="de-DE" dirty="0"/>
-              <a:t>Motivation</a:t>
-            </a:r>
-          </a:p>
-          <a:p>
-            <a:pPr marL="457200" indent="-457200">
-              <a:buFont typeface="+mj-lt"/>
-              <a:buAutoNum type="arabicPeriod"/>
+              <a:t>2 Grundsätze:</a:t>
+            </a:r>
+          </a:p>
+          <a:p>
+            <a:r>
+              <a:rPr lang="de-DE" dirty="0"/>
+              <a:t>Deklarative Eigenschaft von Auszeichnungssprachen </a:t>
+            </a:r>
+            <a:r>
+              <a:rPr lang="de-DE" dirty="0">
+                <a:sym typeface="Wingdings" panose="05000000000000000000" pitchFamily="2" charset="2"/>
+              </a:rPr>
+              <a:t> </a:t>
+            </a:r>
+            <a:r>
+              <a:rPr lang="de-DE" dirty="0"/>
+              <a:t>Beschreibung der Struktur der Dokumente und deren Attribute; keine konkreten Programmabläufe</a:t>
+            </a:r>
+          </a:p>
+          <a:p>
+            <a:r>
+              <a:rPr lang="de-DE" dirty="0"/>
+              <a:t>Strikte Eigenschaft von Auszeichnungssprachen, daher kein Spielraum für Interpretationen vorhanden </a:t>
+            </a:r>
+            <a:r>
+              <a:rPr lang="de-DE" dirty="0">
+                <a:sym typeface="Wingdings" panose="05000000000000000000" pitchFamily="2" charset="2"/>
+              </a:rPr>
+              <a:t> </a:t>
+            </a:r>
+            <a:r>
+              <a:rPr lang="de-DE" dirty="0"/>
+              <a:t>Auswertung in Programmen möglich</a:t>
+            </a:r>
+          </a:p>
+          <a:p>
+            <a:endParaRPr lang="de-DE" dirty="0"/>
+          </a:p>
+          <a:p>
+            <a:pPr marL="0" indent="0">
+              <a:buNone/>
             </a:pPr>
             <a:r>
-              <a:rPr lang="de-DE" dirty="0"/>
-              <a:t>Begriffsklärungen und Begriffsunterscheidungen</a:t>
-            </a:r>
-          </a:p>
-          <a:p>
-            <a:pPr marL="457200" indent="-457200">
-              <a:buFont typeface="+mj-lt"/>
-              <a:buAutoNum type="arabicPeriod"/>
-            </a:pPr>
-            <a:r>
-              <a:rPr lang="de-DE" dirty="0"/>
-              <a:t>Vorbetrachtungen zu Möglichkeiten der Programmierung von Benutzeroberflächen</a:t>
-            </a:r>
-          </a:p>
-          <a:p>
-            <a:pPr marL="457200" indent="-457200">
-              <a:buFont typeface="+mj-lt"/>
-              <a:buAutoNum type="arabicPeriod"/>
-            </a:pPr>
-            <a:r>
-              <a:rPr lang="de-DE" dirty="0"/>
-              <a:t>Auszeichnungssprachen</a:t>
-            </a:r>
-          </a:p>
-          <a:p>
-            <a:pPr marL="457200" indent="-457200">
-              <a:buFont typeface="+mj-lt"/>
-              <a:buAutoNum type="arabicPeriod"/>
-            </a:pPr>
-            <a:r>
-              <a:rPr lang="de-DE" dirty="0"/>
-              <a:t>Bewertung von aktuellen Technologien zur Eignung für hardwarenahe Benutzeroberflächengestaltung</a:t>
-            </a:r>
-          </a:p>
-          <a:p>
-            <a:pPr marL="457200" indent="-457200">
-              <a:buFont typeface="+mj-lt"/>
-              <a:buAutoNum type="arabicPeriod"/>
-            </a:pPr>
-            <a:r>
-              <a:rPr lang="de-DE" dirty="0"/>
-              <a:t>Prototypische Entwicklung</a:t>
-            </a:r>
-          </a:p>
-          <a:p>
-            <a:pPr marL="457200" indent="-457200">
-              <a:buFont typeface="+mj-lt"/>
-              <a:buAutoNum type="arabicPeriod"/>
-            </a:pPr>
-            <a:r>
-              <a:rPr lang="de-DE" dirty="0"/>
-              <a:t>Abschließende Bemerkungen</a:t>
-            </a:r>
-          </a:p>
-          <a:p>
-            <a:pPr marL="457200" indent="-457200">
-              <a:buFont typeface="+mj-lt"/>
-              <a:buAutoNum type="arabicPeriod"/>
-            </a:pPr>
-            <a:r>
-              <a:rPr lang="de-DE" dirty="0"/>
-              <a:t>Quellenverzeichnis</a:t>
+              <a:rPr lang="de-DE" sz="1200" dirty="0"/>
+              <a:t>International Standard Organisation (ISO) 8879:1986 </a:t>
             </a:r>
           </a:p>
         </p:txBody>
@@ -3597,6 +3570,166 @@
           <a:p>
             <a:r>
               <a:rPr lang="de-DE" dirty="0"/>
+              <a:t>Auszug aus Auszeichnungssprachen</a:t>
+            </a:r>
+          </a:p>
+        </p:txBody>
+      </p:sp>
+    </p:spTree>
+    <p:extLst>
+      <p:ext uri="{BB962C8B-B14F-4D97-AF65-F5344CB8AC3E}">
+        <p14:creationId xmlns:p14="http://schemas.microsoft.com/office/powerpoint/2010/main" val="84852499"/>
+      </p:ext>
+    </p:extLst>
+  </p:cSld>
+  <p:clrMapOvr>
+    <a:masterClrMapping/>
+  </p:clrMapOvr>
+</p:sld>
+</file>
+
+<file path=ppt/slides/slide15.xml><?xml version="1.0" encoding="utf-8"?>
+<p:sld xmlns:a="http://schemas.openxmlformats.org/drawingml/2006/main" xmlns:r="http://schemas.openxmlformats.org/officeDocument/2006/relationships" xmlns:p="http://schemas.openxmlformats.org/presentationml/2006/main">
+  <p:cSld>
+    <p:spTree>
+      <p:nvGrpSpPr>
+        <p:cNvPr id="1" name=""/>
+        <p:cNvGrpSpPr/>
+        <p:nvPr/>
+      </p:nvGrpSpPr>
+      <p:grpSpPr>
+        <a:xfrm>
+          <a:off x="0" y="0"/>
+          <a:ext cx="0" cy="0"/>
+          <a:chOff x="0" y="0"/>
+          <a:chExt cx="0" cy="0"/>
+        </a:xfrm>
+      </p:grpSpPr>
+      <p:sp>
+        <p:nvSpPr>
+          <p:cNvPr id="2" name="Inhaltsplatzhalter 1">
+            <a:extLst>
+              <a:ext uri="{FF2B5EF4-FFF2-40B4-BE49-F238E27FC236}">
+                <a16:creationId xmlns:a16="http://schemas.microsoft.com/office/drawing/2014/main" id="{0BCAACA1-CDCC-4489-A705-8F7EA67D0079}"/>
+              </a:ext>
+            </a:extLst>
+          </p:cNvPr>
+          <p:cNvSpPr>
+            <a:spLocks noGrp="1"/>
+          </p:cNvSpPr>
+          <p:nvPr>
+            <p:ph idx="1"/>
+          </p:nvPr>
+        </p:nvSpPr>
+        <p:spPr/>
+        <p:txBody>
+          <a:bodyPr/>
+          <a:lstStyle/>
+          <a:p>
+            <a:pPr marL="457200" indent="-457200">
+              <a:buFont typeface="+mj-lt"/>
+              <a:buAutoNum type="arabicPeriod"/>
+            </a:pPr>
+            <a:r>
+              <a:rPr lang="de-DE" dirty="0"/>
+              <a:t>Motivation</a:t>
+            </a:r>
+          </a:p>
+          <a:p>
+            <a:pPr marL="457200" indent="-457200">
+              <a:buFont typeface="+mj-lt"/>
+              <a:buAutoNum type="arabicPeriod"/>
+            </a:pPr>
+            <a:r>
+              <a:rPr lang="de-DE" dirty="0"/>
+              <a:t>Begriffsklärungen und Begriffsunterscheidungen</a:t>
+            </a:r>
+          </a:p>
+          <a:p>
+            <a:pPr marL="457200" indent="-457200">
+              <a:buFont typeface="+mj-lt"/>
+              <a:buAutoNum type="arabicPeriod"/>
+            </a:pPr>
+            <a:r>
+              <a:rPr lang="de-DE" dirty="0"/>
+              <a:t>Vorbetrachtungen zu Möglichkeiten der Programmierung von Benutzeroberflächen</a:t>
+            </a:r>
+          </a:p>
+          <a:p>
+            <a:pPr marL="457200" indent="-457200">
+              <a:buFont typeface="+mj-lt"/>
+              <a:buAutoNum type="arabicPeriod"/>
+            </a:pPr>
+            <a:r>
+              <a:rPr lang="de-DE" dirty="0"/>
+              <a:t>Auszeichnungssprachen</a:t>
+            </a:r>
+          </a:p>
+          <a:p>
+            <a:pPr marL="457200" indent="-457200">
+              <a:buFont typeface="+mj-lt"/>
+              <a:buAutoNum type="arabicPeriod"/>
+            </a:pPr>
+            <a:r>
+              <a:rPr lang="de-DE" dirty="0"/>
+              <a:t>Bewertung von aktuellen Technologien zur Eignung für hardwarenahe Benutzeroberflächengestaltung</a:t>
+            </a:r>
+          </a:p>
+          <a:p>
+            <a:pPr marL="457200" indent="-457200">
+              <a:buFont typeface="+mj-lt"/>
+              <a:buAutoNum type="arabicPeriod"/>
+            </a:pPr>
+            <a:r>
+              <a:rPr lang="de-DE" dirty="0"/>
+              <a:t>Prototypische Entwicklung</a:t>
+            </a:r>
+          </a:p>
+          <a:p>
+            <a:pPr marL="457200" indent="-457200">
+              <a:buFont typeface="+mj-lt"/>
+              <a:buAutoNum type="arabicPeriod"/>
+            </a:pPr>
+            <a:r>
+              <a:rPr lang="de-DE" dirty="0"/>
+              <a:t>Abschließende Bemerkungen</a:t>
+            </a:r>
+          </a:p>
+          <a:p>
+            <a:pPr marL="457200" indent="-457200">
+              <a:buFont typeface="+mj-lt"/>
+              <a:buAutoNum type="arabicPeriod"/>
+            </a:pPr>
+            <a:r>
+              <a:rPr lang="de-DE" dirty="0"/>
+              <a:t>Quellenverzeichnis</a:t>
+            </a:r>
+          </a:p>
+        </p:txBody>
+      </p:sp>
+      <p:sp>
+        <p:nvSpPr>
+          <p:cNvPr id="3" name="Titel 2">
+            <a:extLst>
+              <a:ext uri="{FF2B5EF4-FFF2-40B4-BE49-F238E27FC236}">
+                <a16:creationId xmlns:a16="http://schemas.microsoft.com/office/drawing/2014/main" id="{A5B060C7-06AB-409E-9350-A4C0FAB00E34}"/>
+              </a:ext>
+            </a:extLst>
+          </p:cNvPr>
+          <p:cNvSpPr>
+            <a:spLocks noGrp="1"/>
+          </p:cNvSpPr>
+          <p:nvPr>
+            <p:ph type="title"/>
+          </p:nvPr>
+        </p:nvSpPr>
+        <p:spPr/>
+        <p:txBody>
+          <a:bodyPr/>
+          <a:lstStyle/>
+          <a:p>
+            <a:r>
+              <a:rPr lang="de-DE" dirty="0"/>
               <a:t>Einordnung des Vortrags in die Diplomarbeit</a:t>
             </a:r>
           </a:p>
@@ -3615,7 +3748,7 @@
 </p:sld>
 </file>
 
-<file path=ppt/slides/slide15.xml><?xml version="1.0" encoding="utf-8"?>
+<file path=ppt/slides/slide16.xml><?xml version="1.0" encoding="utf-8"?>
 <p:sld xmlns:a="http://schemas.openxmlformats.org/drawingml/2006/main" xmlns:r="http://schemas.openxmlformats.org/officeDocument/2006/relationships" xmlns:p="http://schemas.openxmlformats.org/presentationml/2006/main">
   <p:cSld>
     <p:spTree>
@@ -3733,129 +3866,6 @@
 </p:sld>
 </file>
 
-<file path=ppt/slides/slide16.xml><?xml version="1.0" encoding="utf-8"?>
-<p:sld xmlns:a="http://schemas.openxmlformats.org/drawingml/2006/main" xmlns:r="http://schemas.openxmlformats.org/officeDocument/2006/relationships" xmlns:p="http://schemas.openxmlformats.org/presentationml/2006/main">
-  <p:cSld>
-    <p:spTree>
-      <p:nvGrpSpPr>
-        <p:cNvPr id="1" name=""/>
-        <p:cNvGrpSpPr/>
-        <p:nvPr/>
-      </p:nvGrpSpPr>
-      <p:grpSpPr>
-        <a:xfrm>
-          <a:off x="0" y="0"/>
-          <a:ext cx="0" cy="0"/>
-          <a:chOff x="0" y="0"/>
-          <a:chExt cx="0" cy="0"/>
-        </a:xfrm>
-      </p:grpSpPr>
-      <p:sp>
-        <p:nvSpPr>
-          <p:cNvPr id="3" name="Titel 2">
-            <a:extLst>
-              <a:ext uri="{FF2B5EF4-FFF2-40B4-BE49-F238E27FC236}">
-                <a16:creationId xmlns:a16="http://schemas.microsoft.com/office/drawing/2014/main" id="{A5B060C7-06AB-409E-9350-A4C0FAB00E34}"/>
-              </a:ext>
-            </a:extLst>
-          </p:cNvPr>
-          <p:cNvSpPr>
-            <a:spLocks noGrp="1"/>
-          </p:cNvSpPr>
-          <p:nvPr>
-            <p:ph type="title"/>
-          </p:nvPr>
-        </p:nvSpPr>
-        <p:spPr/>
-        <p:txBody>
-          <a:bodyPr/>
-          <a:lstStyle/>
-          <a:p>
-            <a:r>
-              <a:rPr lang="de-DE" dirty="0"/>
-              <a:t>Auszug aus Prototypische Entwicklung</a:t>
-            </a:r>
-          </a:p>
-        </p:txBody>
-      </p:sp>
-      <p:pic>
-        <p:nvPicPr>
-          <p:cNvPr id="7" name="Grafik 6">
-            <a:extLst>
-              <a:ext uri="{FF2B5EF4-FFF2-40B4-BE49-F238E27FC236}">
-                <a16:creationId xmlns:a16="http://schemas.microsoft.com/office/drawing/2014/main" id="{17D6CFA1-3CFD-4323-980D-5A4EE94BA733}"/>
-              </a:ext>
-            </a:extLst>
-          </p:cNvPr>
-          <p:cNvPicPr>
-            <a:picLocks noChangeAspect="1"/>
-          </p:cNvPicPr>
-          <p:nvPr/>
-        </p:nvPicPr>
-        <p:blipFill>
-          <a:blip r:embed="rId2"/>
-          <a:stretch>
-            <a:fillRect/>
-          </a:stretch>
-        </p:blipFill>
-        <p:spPr>
-          <a:xfrm>
-            <a:off x="1763688" y="969237"/>
-            <a:ext cx="5616624" cy="4919525"/>
-          </a:xfrm>
-          <a:prstGeom prst="rect">
-            <a:avLst/>
-          </a:prstGeom>
-        </p:spPr>
-      </p:pic>
-      <p:sp>
-        <p:nvSpPr>
-          <p:cNvPr id="2" name="Textfeld 1">
-            <a:extLst>
-              <a:ext uri="{FF2B5EF4-FFF2-40B4-BE49-F238E27FC236}">
-                <a16:creationId xmlns:a16="http://schemas.microsoft.com/office/drawing/2014/main" id="{BBE250C8-CADA-4A9A-B2DD-02F501EAE74F}"/>
-              </a:ext>
-            </a:extLst>
-          </p:cNvPr>
-          <p:cNvSpPr txBox="1"/>
-          <p:nvPr/>
-        </p:nvSpPr>
-        <p:spPr>
-          <a:xfrm>
-            <a:off x="1763688" y="5944544"/>
-            <a:ext cx="6606504" cy="276999"/>
-          </a:xfrm>
-          <a:prstGeom prst="rect">
-            <a:avLst/>
-          </a:prstGeom>
-          <a:noFill/>
-        </p:spPr>
-        <p:txBody>
-          <a:bodyPr wrap="square" rtlCol="0">
-            <a:spAutoFit/>
-          </a:bodyPr>
-          <a:lstStyle/>
-          <a:p>
-            <a:r>
-              <a:rPr lang="de-DE" sz="1200" dirty="0"/>
-              <a:t>Grafiken wurden erstellt durch Martin Krautschick</a:t>
-            </a:r>
-          </a:p>
-        </p:txBody>
-      </p:sp>
-    </p:spTree>
-    <p:extLst>
-      <p:ext uri="{BB962C8B-B14F-4D97-AF65-F5344CB8AC3E}">
-        <p14:creationId xmlns:p14="http://schemas.microsoft.com/office/powerpoint/2010/main" val="2961565669"/>
-      </p:ext>
-    </p:extLst>
-  </p:cSld>
-  <p:clrMapOvr>
-    <a:masterClrMapping/>
-  </p:clrMapOvr>
-</p:sld>
-</file>
-
 <file path=ppt/slides/slide17.xml><?xml version="1.0" encoding="utf-8"?>
 <p:sld xmlns:a="http://schemas.openxmlformats.org/drawingml/2006/main" xmlns:r="http://schemas.openxmlformats.org/officeDocument/2006/relationships" xmlns:p="http://schemas.openxmlformats.org/presentationml/2006/main">
   <p:cSld>
@@ -3896,17 +3906,17 @@
           <a:p>
             <a:r>
               <a:rPr lang="de-DE" dirty="0"/>
-              <a:t>Grobe Softwarearchitektur</a:t>
+              <a:t>Einbindung der Auszeichnungssprache</a:t>
             </a:r>
           </a:p>
         </p:txBody>
       </p:sp>
       <p:pic>
         <p:nvPicPr>
-          <p:cNvPr id="4" name="Inhaltsplatzhalter 4">
+          <p:cNvPr id="7" name="Inhaltsplatzhalter 6">
             <a:extLst>
               <a:ext uri="{FF2B5EF4-FFF2-40B4-BE49-F238E27FC236}">
-                <a16:creationId xmlns:a16="http://schemas.microsoft.com/office/drawing/2014/main" id="{26D8EA1F-B59F-4199-A6A9-5F6E8555B527}"/>
+                <a16:creationId xmlns:a16="http://schemas.microsoft.com/office/drawing/2014/main" id="{054B8277-7546-48F9-B6BB-89775DD71A32}"/>
               </a:ext>
             </a:extLst>
           </p:cNvPr>
@@ -3925,15 +3935,15 @@
         </p:blipFill>
         <p:spPr>
           <a:xfrm>
-            <a:off x="2176378" y="1287151"/>
-            <a:ext cx="4791243" cy="4283697"/>
+            <a:off x="431800" y="2102161"/>
+            <a:ext cx="8243888" cy="3156915"/>
           </a:xfrm>
         </p:spPr>
       </p:pic>
     </p:spTree>
     <p:extLst>
       <p:ext uri="{BB962C8B-B14F-4D97-AF65-F5344CB8AC3E}">
-        <p14:creationId xmlns:p14="http://schemas.microsoft.com/office/powerpoint/2010/main" val="1378465476"/>
+        <p14:creationId xmlns:p14="http://schemas.microsoft.com/office/powerpoint/2010/main" val="3353165127"/>
       </p:ext>
     </p:extLst>
   </p:cSld>
@@ -3944,142 +3954,6 @@
 </file>
 
 <file path=ppt/slides/slide18.xml><?xml version="1.0" encoding="utf-8"?>
-<p:sld xmlns:a="http://schemas.openxmlformats.org/drawingml/2006/main" xmlns:r="http://schemas.openxmlformats.org/officeDocument/2006/relationships" xmlns:p="http://schemas.openxmlformats.org/presentationml/2006/main">
-  <p:cSld>
-    <p:spTree>
-      <p:nvGrpSpPr>
-        <p:cNvPr id="1" name=""/>
-        <p:cNvGrpSpPr/>
-        <p:nvPr/>
-      </p:nvGrpSpPr>
-      <p:grpSpPr>
-        <a:xfrm>
-          <a:off x="0" y="0"/>
-          <a:ext cx="0" cy="0"/>
-          <a:chOff x="0" y="0"/>
-          <a:chExt cx="0" cy="0"/>
-        </a:xfrm>
-      </p:grpSpPr>
-      <p:sp>
-        <p:nvSpPr>
-          <p:cNvPr id="3" name="Titel 2">
-            <a:extLst>
-              <a:ext uri="{FF2B5EF4-FFF2-40B4-BE49-F238E27FC236}">
-                <a16:creationId xmlns:a16="http://schemas.microsoft.com/office/drawing/2014/main" id="{A5B060C7-06AB-409E-9350-A4C0FAB00E34}"/>
-              </a:ext>
-            </a:extLst>
-          </p:cNvPr>
-          <p:cNvSpPr>
-            <a:spLocks noGrp="1"/>
-          </p:cNvSpPr>
-          <p:nvPr>
-            <p:ph type="title"/>
-          </p:nvPr>
-        </p:nvSpPr>
-        <p:spPr/>
-        <p:txBody>
-          <a:bodyPr/>
-          <a:lstStyle/>
-          <a:p>
-            <a:r>
-              <a:rPr lang="de-DE" dirty="0"/>
-              <a:t>Lösungskonzepte</a:t>
-            </a:r>
-          </a:p>
-        </p:txBody>
-      </p:sp>
-      <p:sp>
-        <p:nvSpPr>
-          <p:cNvPr id="5" name="Inhaltsplatzhalter 4">
-            <a:extLst>
-              <a:ext uri="{FF2B5EF4-FFF2-40B4-BE49-F238E27FC236}">
-                <a16:creationId xmlns:a16="http://schemas.microsoft.com/office/drawing/2014/main" id="{FF26A28A-B1C3-4A6B-98F9-EF2011A3FEB0}"/>
-              </a:ext>
-            </a:extLst>
-          </p:cNvPr>
-          <p:cNvSpPr>
-            <a:spLocks noGrp="1"/>
-          </p:cNvSpPr>
-          <p:nvPr>
-            <p:ph idx="1"/>
-          </p:nvPr>
-        </p:nvSpPr>
-        <p:spPr/>
-        <p:txBody>
-          <a:bodyPr/>
-          <a:lstStyle/>
-          <a:p>
-            <a:r>
-              <a:rPr lang="de-DE" dirty="0"/>
-              <a:t>Objektorientierte Programmierung in C</a:t>
-            </a:r>
-          </a:p>
-          <a:p>
-            <a:r>
-              <a:rPr lang="de-DE" dirty="0"/>
-              <a:t>Speicherverwaltung über </a:t>
-            </a:r>
-            <a:r>
-              <a:rPr lang="de-DE" dirty="0" err="1"/>
-              <a:t>Allocation</a:t>
-            </a:r>
-            <a:r>
-              <a:rPr lang="de-DE" dirty="0"/>
-              <a:t> </a:t>
-            </a:r>
-            <a:r>
-              <a:rPr lang="de-DE" dirty="0" err="1"/>
-              <a:t>Counting</a:t>
-            </a:r>
-            <a:endParaRPr lang="de-DE" dirty="0"/>
-          </a:p>
-          <a:p>
-            <a:r>
-              <a:rPr lang="de-DE" dirty="0"/>
-              <a:t>Verwendung einer Auszeichnungssprache, YAML</a:t>
-            </a:r>
-          </a:p>
-          <a:p>
-            <a:r>
-              <a:rPr lang="de-DE" dirty="0" err="1"/>
-              <a:t>Referenzierung</a:t>
-            </a:r>
-            <a:r>
-              <a:rPr lang="de-DE" dirty="0"/>
-              <a:t> der erstellten Objekten der Auszeichnungssprache im Quellcode</a:t>
-            </a:r>
-          </a:p>
-          <a:p>
-            <a:r>
-              <a:rPr lang="de-DE" dirty="0"/>
-              <a:t>Objekterstellungs-Injektion</a:t>
-            </a:r>
-          </a:p>
-          <a:p>
-            <a:r>
-              <a:rPr lang="de-DE" dirty="0"/>
-              <a:t>Ressource-Provider</a:t>
-            </a:r>
-          </a:p>
-          <a:p>
-            <a:endParaRPr lang="de-DE" dirty="0"/>
-          </a:p>
-        </p:txBody>
-      </p:sp>
-    </p:spTree>
-    <p:extLst>
-      <p:ext uri="{BB962C8B-B14F-4D97-AF65-F5344CB8AC3E}">
-        <p14:creationId xmlns:p14="http://schemas.microsoft.com/office/powerpoint/2010/main" val="4184520417"/>
-      </p:ext>
-    </p:extLst>
-  </p:cSld>
-  <p:clrMapOvr>
-    <a:masterClrMapping/>
-  </p:clrMapOvr>
-</p:sld>
-</file>
-
-<file path=ppt/slides/slide19.xml><?xml version="1.0" encoding="utf-8"?>
 <p:sld xmlns:a="http://schemas.openxmlformats.org/drawingml/2006/main" xmlns:r="http://schemas.openxmlformats.org/officeDocument/2006/relationships" xmlns:p="http://schemas.openxmlformats.org/presentationml/2006/main">
   <p:cSld>
     <p:spTree>
@@ -4156,7 +4030,287 @@
     </p:spTree>
     <p:extLst>
       <p:ext uri="{BB962C8B-B14F-4D97-AF65-F5344CB8AC3E}">
-        <p14:creationId xmlns:p14="http://schemas.microsoft.com/office/powerpoint/2010/main" val="3353165127"/>
+        <p14:creationId xmlns:p14="http://schemas.microsoft.com/office/powerpoint/2010/main" val="545166375"/>
+      </p:ext>
+    </p:extLst>
+  </p:cSld>
+  <p:clrMapOvr>
+    <a:masterClrMapping/>
+  </p:clrMapOvr>
+</p:sld>
+</file>
+
+<file path=ppt/slides/slide19.xml><?xml version="1.0" encoding="utf-8"?>
+<p:sld xmlns:a="http://schemas.openxmlformats.org/drawingml/2006/main" xmlns:r="http://schemas.openxmlformats.org/officeDocument/2006/relationships" xmlns:p="http://schemas.openxmlformats.org/presentationml/2006/main">
+  <p:cSld>
+    <p:spTree>
+      <p:nvGrpSpPr>
+        <p:cNvPr id="1" name=""/>
+        <p:cNvGrpSpPr/>
+        <p:nvPr/>
+      </p:nvGrpSpPr>
+      <p:grpSpPr>
+        <a:xfrm>
+          <a:off x="0" y="0"/>
+          <a:ext cx="0" cy="0"/>
+          <a:chOff x="0" y="0"/>
+          <a:chExt cx="0" cy="0"/>
+        </a:xfrm>
+      </p:grpSpPr>
+      <p:sp>
+        <p:nvSpPr>
+          <p:cNvPr id="3" name="Titel 2">
+            <a:extLst>
+              <a:ext uri="{FF2B5EF4-FFF2-40B4-BE49-F238E27FC236}">
+                <a16:creationId xmlns:a16="http://schemas.microsoft.com/office/drawing/2014/main" id="{A5B060C7-06AB-409E-9350-A4C0FAB00E34}"/>
+              </a:ext>
+            </a:extLst>
+          </p:cNvPr>
+          <p:cNvSpPr>
+            <a:spLocks noGrp="1"/>
+          </p:cNvSpPr>
+          <p:nvPr>
+            <p:ph type="title"/>
+          </p:nvPr>
+        </p:nvSpPr>
+        <p:spPr/>
+        <p:txBody>
+          <a:bodyPr/>
+          <a:lstStyle/>
+          <a:p>
+            <a:r>
+              <a:rPr lang="de-DE" dirty="0"/>
+              <a:t>Kompilierung</a:t>
+            </a:r>
+          </a:p>
+        </p:txBody>
+      </p:sp>
+      <p:sp>
+        <p:nvSpPr>
+          <p:cNvPr id="6" name="Rechteck 5">
+            <a:extLst>
+              <a:ext uri="{FF2B5EF4-FFF2-40B4-BE49-F238E27FC236}">
+                <a16:creationId xmlns:a16="http://schemas.microsoft.com/office/drawing/2014/main" id="{0D15FA4B-3222-4C52-B7BB-8AB6B7684BCC}"/>
+              </a:ext>
+            </a:extLst>
+          </p:cNvPr>
+          <p:cNvSpPr/>
+          <p:nvPr/>
+        </p:nvSpPr>
+        <p:spPr bwMode="auto">
+          <a:xfrm>
+            <a:off x="1331640" y="1772816"/>
+            <a:ext cx="6815236" cy="648072"/>
+          </a:xfrm>
+          <a:prstGeom prst="rect">
+            <a:avLst/>
+          </a:prstGeom>
+          <a:noFill/>
+          <a:ln w="9525" cap="flat" cmpd="sng" algn="ctr">
+            <a:solidFill>
+              <a:schemeClr val="tx1"/>
+            </a:solidFill>
+            <a:prstDash val="solid"/>
+            <a:round/>
+            <a:headEnd type="none" w="med" len="med"/>
+            <a:tailEnd type="none" w="med" len="med"/>
+          </a:ln>
+          <a:effectLst/>
+        </p:spPr>
+        <p:txBody>
+          <a:bodyPr vert="horz" wrap="square" lIns="91440" tIns="45720" rIns="91440" bIns="45720" numCol="1" rtlCol="0" anchor="ctr" anchorCtr="0" compatLnSpc="1">
+            <a:prstTxWarp prst="textNoShape">
+              <a:avLst/>
+            </a:prstTxWarp>
+          </a:bodyPr>
+          <a:lstStyle/>
+          <a:p>
+            <a:pPr algn="ctr"/>
+            <a:r>
+              <a:rPr lang="de-DE" sz="1800" dirty="0"/>
+              <a:t>Generierung der Funktionalität für Objektorientierung</a:t>
+            </a:r>
+          </a:p>
+        </p:txBody>
+      </p:sp>
+      <p:sp>
+        <p:nvSpPr>
+          <p:cNvPr id="7" name="Rechteck 6">
+            <a:extLst>
+              <a:ext uri="{FF2B5EF4-FFF2-40B4-BE49-F238E27FC236}">
+                <a16:creationId xmlns:a16="http://schemas.microsoft.com/office/drawing/2014/main" id="{398914A9-D65A-438B-9FC1-F59D329A2BCF}"/>
+              </a:ext>
+            </a:extLst>
+          </p:cNvPr>
+          <p:cNvSpPr/>
+          <p:nvPr/>
+        </p:nvSpPr>
+        <p:spPr bwMode="auto">
+          <a:xfrm>
+            <a:off x="1331640" y="2996952"/>
+            <a:ext cx="6815236" cy="648072"/>
+          </a:xfrm>
+          <a:prstGeom prst="rect">
+            <a:avLst/>
+          </a:prstGeom>
+          <a:noFill/>
+          <a:ln w="9525" cap="flat" cmpd="sng" algn="ctr">
+            <a:solidFill>
+              <a:schemeClr val="tx1"/>
+            </a:solidFill>
+            <a:prstDash val="solid"/>
+            <a:round/>
+            <a:headEnd type="none" w="med" len="med"/>
+            <a:tailEnd type="none" w="med" len="med"/>
+          </a:ln>
+          <a:effectLst/>
+        </p:spPr>
+        <p:txBody>
+          <a:bodyPr vert="horz" wrap="square" lIns="91440" tIns="45720" rIns="91440" bIns="45720" numCol="1" rtlCol="0" anchor="ctr" anchorCtr="0" compatLnSpc="1">
+            <a:prstTxWarp prst="textNoShape">
+              <a:avLst/>
+            </a:prstTxWarp>
+          </a:bodyPr>
+          <a:lstStyle/>
+          <a:p>
+            <a:pPr algn="ctr"/>
+            <a:r>
+              <a:rPr lang="de-DE" sz="1800" dirty="0"/>
+              <a:t>Generierung der Objekt-Erstellungsalgorithmen aus YAML</a:t>
+            </a:r>
+          </a:p>
+        </p:txBody>
+      </p:sp>
+      <p:sp>
+        <p:nvSpPr>
+          <p:cNvPr id="8" name="Rechteck 7">
+            <a:extLst>
+              <a:ext uri="{FF2B5EF4-FFF2-40B4-BE49-F238E27FC236}">
+                <a16:creationId xmlns:a16="http://schemas.microsoft.com/office/drawing/2014/main" id="{D247EA07-A4BF-4B40-9B35-9DECEA2F7C8B}"/>
+              </a:ext>
+            </a:extLst>
+          </p:cNvPr>
+          <p:cNvSpPr/>
+          <p:nvPr/>
+        </p:nvSpPr>
+        <p:spPr bwMode="auto">
+          <a:xfrm>
+            <a:off x="1331640" y="4221088"/>
+            <a:ext cx="6815236" cy="648072"/>
+          </a:xfrm>
+          <a:prstGeom prst="rect">
+            <a:avLst/>
+          </a:prstGeom>
+          <a:noFill/>
+          <a:ln w="9525" cap="flat" cmpd="sng" algn="ctr">
+            <a:solidFill>
+              <a:schemeClr val="tx1"/>
+            </a:solidFill>
+            <a:prstDash val="solid"/>
+            <a:round/>
+            <a:headEnd type="none" w="med" len="med"/>
+            <a:tailEnd type="none" w="med" len="med"/>
+          </a:ln>
+          <a:effectLst/>
+        </p:spPr>
+        <p:txBody>
+          <a:bodyPr vert="horz" wrap="square" lIns="91440" tIns="45720" rIns="91440" bIns="45720" numCol="1" rtlCol="0" anchor="ctr" anchorCtr="0" compatLnSpc="1">
+            <a:prstTxWarp prst="textNoShape">
+              <a:avLst/>
+            </a:prstTxWarp>
+          </a:bodyPr>
+          <a:lstStyle/>
+          <a:p>
+            <a:pPr algn="ctr"/>
+            <a:r>
+              <a:rPr lang="de-DE" sz="1800" dirty="0"/>
+              <a:t>Reguläre Kompilierung des C-Quellcodes mit generiertem Code</a:t>
+            </a:r>
+          </a:p>
+        </p:txBody>
+      </p:sp>
+      <p:cxnSp>
+        <p:nvCxnSpPr>
+          <p:cNvPr id="10" name="Gerade Verbindung mit Pfeil 9">
+            <a:extLst>
+              <a:ext uri="{FF2B5EF4-FFF2-40B4-BE49-F238E27FC236}">
+                <a16:creationId xmlns:a16="http://schemas.microsoft.com/office/drawing/2014/main" id="{D9F8CC31-027D-4273-A9A7-7408989DA41B}"/>
+              </a:ext>
+            </a:extLst>
+          </p:cNvPr>
+          <p:cNvCxnSpPr>
+            <a:cxnSpLocks/>
+            <a:stCxn id="6" idx="2"/>
+            <a:endCxn id="7" idx="0"/>
+          </p:cNvCxnSpPr>
+          <p:nvPr/>
+        </p:nvCxnSpPr>
+        <p:spPr bwMode="auto">
+          <a:xfrm>
+            <a:off x="4739258" y="2420888"/>
+            <a:ext cx="0" cy="576064"/>
+          </a:xfrm>
+          <a:prstGeom prst="straightConnector1">
+            <a:avLst/>
+          </a:prstGeom>
+          <a:solidFill>
+            <a:schemeClr val="accent1"/>
+          </a:solidFill>
+          <a:ln w="9525" cap="flat" cmpd="sng" algn="ctr">
+            <a:solidFill>
+              <a:schemeClr val="tx1"/>
+            </a:solidFill>
+            <a:prstDash val="solid"/>
+            <a:round/>
+            <a:headEnd type="none" w="med" len="med"/>
+            <a:tailEnd type="triangle"/>
+          </a:ln>
+          <a:effectLst/>
+        </p:spPr>
+      </p:cxnSp>
+      <p:cxnSp>
+        <p:nvCxnSpPr>
+          <p:cNvPr id="12" name="Gerade Verbindung mit Pfeil 11">
+            <a:extLst>
+              <a:ext uri="{FF2B5EF4-FFF2-40B4-BE49-F238E27FC236}">
+                <a16:creationId xmlns:a16="http://schemas.microsoft.com/office/drawing/2014/main" id="{E343C7FB-6329-44E2-8A57-95821AB9340F}"/>
+              </a:ext>
+            </a:extLst>
+          </p:cNvPr>
+          <p:cNvCxnSpPr>
+            <a:cxnSpLocks/>
+            <a:stCxn id="7" idx="2"/>
+            <a:endCxn id="8" idx="0"/>
+          </p:cNvCxnSpPr>
+          <p:nvPr/>
+        </p:nvCxnSpPr>
+        <p:spPr bwMode="auto">
+          <a:xfrm>
+            <a:off x="4739258" y="3645024"/>
+            <a:ext cx="0" cy="576064"/>
+          </a:xfrm>
+          <a:prstGeom prst="straightConnector1">
+            <a:avLst/>
+          </a:prstGeom>
+          <a:solidFill>
+            <a:schemeClr val="accent1"/>
+          </a:solidFill>
+          <a:ln w="9525" cap="flat" cmpd="sng" algn="ctr">
+            <a:solidFill>
+              <a:schemeClr val="tx1"/>
+            </a:solidFill>
+            <a:prstDash val="solid"/>
+            <a:round/>
+            <a:headEnd type="none" w="med" len="med"/>
+            <a:tailEnd type="triangle"/>
+          </a:ln>
+          <a:effectLst/>
+        </p:spPr>
+      </p:cxnSp>
+    </p:spTree>
+    <p:extLst>
+      <p:ext uri="{BB962C8B-B14F-4D97-AF65-F5344CB8AC3E}">
+        <p14:creationId xmlns:p14="http://schemas.microsoft.com/office/powerpoint/2010/main" val="3374481444"/>
       </p:ext>
     </p:extLst>
   </p:cSld>
@@ -4266,237 +4420,80 @@
           <a:p>
             <a:r>
               <a:rPr lang="de-DE" dirty="0"/>
-              <a:t>Kompilierung</a:t>
+              <a:t>Auszug aus Prototypische Entwicklung</a:t>
             </a:r>
           </a:p>
         </p:txBody>
       </p:sp>
-      <p:sp>
-        <p:nvSpPr>
-          <p:cNvPr id="6" name="Rechteck 5">
+      <p:pic>
+        <p:nvPicPr>
+          <p:cNvPr id="7" name="Grafik 6">
             <a:extLst>
               <a:ext uri="{FF2B5EF4-FFF2-40B4-BE49-F238E27FC236}">
-                <a16:creationId xmlns:a16="http://schemas.microsoft.com/office/drawing/2014/main" id="{0D15FA4B-3222-4C52-B7BB-8AB6B7684BCC}"/>
+                <a16:creationId xmlns:a16="http://schemas.microsoft.com/office/drawing/2014/main" id="{17D6CFA1-3CFD-4323-980D-5A4EE94BA733}"/>
               </a:ext>
             </a:extLst>
           </p:cNvPr>
-          <p:cNvSpPr/>
+          <p:cNvPicPr>
+            <a:picLocks noChangeAspect="1"/>
+          </p:cNvPicPr>
+          <p:nvPr/>
+        </p:nvPicPr>
+        <p:blipFill>
+          <a:blip r:embed="rId2"/>
+          <a:stretch>
+            <a:fillRect/>
+          </a:stretch>
+        </p:blipFill>
+        <p:spPr>
+          <a:xfrm>
+            <a:off x="1763688" y="969237"/>
+            <a:ext cx="5616624" cy="4919525"/>
+          </a:xfrm>
+          <a:prstGeom prst="rect">
+            <a:avLst/>
+          </a:prstGeom>
+        </p:spPr>
+      </p:pic>
+      <p:sp>
+        <p:nvSpPr>
+          <p:cNvPr id="2" name="Textfeld 1">
+            <a:extLst>
+              <a:ext uri="{FF2B5EF4-FFF2-40B4-BE49-F238E27FC236}">
+                <a16:creationId xmlns:a16="http://schemas.microsoft.com/office/drawing/2014/main" id="{BBE250C8-CADA-4A9A-B2DD-02F501EAE74F}"/>
+              </a:ext>
+            </a:extLst>
+          </p:cNvPr>
+          <p:cNvSpPr txBox="1"/>
           <p:nvPr/>
         </p:nvSpPr>
-        <p:spPr bwMode="auto">
+        <p:spPr>
           <a:xfrm>
-            <a:off x="1331640" y="1772816"/>
-            <a:ext cx="6815236" cy="648072"/>
+            <a:off x="1763688" y="5944544"/>
+            <a:ext cx="6606504" cy="276999"/>
           </a:xfrm>
           <a:prstGeom prst="rect">
             <a:avLst/>
           </a:prstGeom>
           <a:noFill/>
-          <a:ln w="9525" cap="flat" cmpd="sng" algn="ctr">
-            <a:solidFill>
-              <a:schemeClr val="tx1"/>
-            </a:solidFill>
-            <a:prstDash val="solid"/>
-            <a:round/>
-            <a:headEnd type="none" w="med" len="med"/>
-            <a:tailEnd type="none" w="med" len="med"/>
-          </a:ln>
-          <a:effectLst/>
         </p:spPr>
         <p:txBody>
-          <a:bodyPr vert="horz" wrap="square" lIns="91440" tIns="45720" rIns="91440" bIns="45720" numCol="1" rtlCol="0" anchor="ctr" anchorCtr="0" compatLnSpc="1">
-            <a:prstTxWarp prst="textNoShape">
-              <a:avLst/>
-            </a:prstTxWarp>
+          <a:bodyPr wrap="square" rtlCol="0">
+            <a:spAutoFit/>
           </a:bodyPr>
           <a:lstStyle/>
           <a:p>
-            <a:pPr algn="ctr"/>
-            <a:r>
-              <a:rPr lang="de-DE" sz="1800" dirty="0"/>
-              <a:t>Generierung der Funktionalität für Objektorientierung</a:t>
+            <a:r>
+              <a:rPr lang="de-DE" sz="1200" dirty="0"/>
+              <a:t>Grafiken wurden erstellt durch Martin Krautschick</a:t>
             </a:r>
           </a:p>
         </p:txBody>
       </p:sp>
-      <p:sp>
-        <p:nvSpPr>
-          <p:cNvPr id="7" name="Rechteck 6">
-            <a:extLst>
-              <a:ext uri="{FF2B5EF4-FFF2-40B4-BE49-F238E27FC236}">
-                <a16:creationId xmlns:a16="http://schemas.microsoft.com/office/drawing/2014/main" id="{398914A9-D65A-438B-9FC1-F59D329A2BCF}"/>
-              </a:ext>
-            </a:extLst>
-          </p:cNvPr>
-          <p:cNvSpPr/>
-          <p:nvPr/>
-        </p:nvSpPr>
-        <p:spPr bwMode="auto">
-          <a:xfrm>
-            <a:off x="1331640" y="2996952"/>
-            <a:ext cx="6815236" cy="648072"/>
-          </a:xfrm>
-          <a:prstGeom prst="rect">
-            <a:avLst/>
-          </a:prstGeom>
-          <a:noFill/>
-          <a:ln w="9525" cap="flat" cmpd="sng" algn="ctr">
-            <a:solidFill>
-              <a:schemeClr val="tx1"/>
-            </a:solidFill>
-            <a:prstDash val="solid"/>
-            <a:round/>
-            <a:headEnd type="none" w="med" len="med"/>
-            <a:tailEnd type="none" w="med" len="med"/>
-          </a:ln>
-          <a:effectLst/>
-        </p:spPr>
-        <p:txBody>
-          <a:bodyPr vert="horz" wrap="square" lIns="91440" tIns="45720" rIns="91440" bIns="45720" numCol="1" rtlCol="0" anchor="ctr" anchorCtr="0" compatLnSpc="1">
-            <a:prstTxWarp prst="textNoShape">
-              <a:avLst/>
-            </a:prstTxWarp>
-          </a:bodyPr>
-          <a:lstStyle/>
-          <a:p>
-            <a:pPr algn="ctr"/>
-            <a:r>
-              <a:rPr lang="de-DE" sz="1800" dirty="0"/>
-              <a:t>Generierung der Objekt-Erstellungsalgorithmen aus YAML</a:t>
-            </a:r>
-          </a:p>
-        </p:txBody>
-      </p:sp>
-      <p:sp>
-        <p:nvSpPr>
-          <p:cNvPr id="8" name="Rechteck 7">
-            <a:extLst>
-              <a:ext uri="{FF2B5EF4-FFF2-40B4-BE49-F238E27FC236}">
-                <a16:creationId xmlns:a16="http://schemas.microsoft.com/office/drawing/2014/main" id="{D247EA07-A4BF-4B40-9B35-9DECEA2F7C8B}"/>
-              </a:ext>
-            </a:extLst>
-          </p:cNvPr>
-          <p:cNvSpPr/>
-          <p:nvPr/>
-        </p:nvSpPr>
-        <p:spPr bwMode="auto">
-          <a:xfrm>
-            <a:off x="1331640" y="4221088"/>
-            <a:ext cx="6815236" cy="648072"/>
-          </a:xfrm>
-          <a:prstGeom prst="rect">
-            <a:avLst/>
-          </a:prstGeom>
-          <a:noFill/>
-          <a:ln w="9525" cap="flat" cmpd="sng" algn="ctr">
-            <a:solidFill>
-              <a:schemeClr val="tx1"/>
-            </a:solidFill>
-            <a:prstDash val="solid"/>
-            <a:round/>
-            <a:headEnd type="none" w="med" len="med"/>
-            <a:tailEnd type="none" w="med" len="med"/>
-          </a:ln>
-          <a:effectLst/>
-        </p:spPr>
-        <p:txBody>
-          <a:bodyPr vert="horz" wrap="square" lIns="91440" tIns="45720" rIns="91440" bIns="45720" numCol="1" rtlCol="0" anchor="ctr" anchorCtr="0" compatLnSpc="1">
-            <a:prstTxWarp prst="textNoShape">
-              <a:avLst/>
-            </a:prstTxWarp>
-          </a:bodyPr>
-          <a:lstStyle/>
-          <a:p>
-            <a:pPr algn="ctr"/>
-            <a:r>
-              <a:rPr lang="de-DE" sz="1800" dirty="0"/>
-              <a:t>Reguläre Kompilierung des C-Quellcodes mit generiertem Code</a:t>
-            </a:r>
-          </a:p>
-        </p:txBody>
-      </p:sp>
-      <p:cxnSp>
-        <p:nvCxnSpPr>
-          <p:cNvPr id="10" name="Gerade Verbindung mit Pfeil 9">
-            <a:extLst>
-              <a:ext uri="{FF2B5EF4-FFF2-40B4-BE49-F238E27FC236}">
-                <a16:creationId xmlns:a16="http://schemas.microsoft.com/office/drawing/2014/main" id="{D9F8CC31-027D-4273-A9A7-7408989DA41B}"/>
-              </a:ext>
-            </a:extLst>
-          </p:cNvPr>
-          <p:cNvCxnSpPr>
-            <a:cxnSpLocks/>
-            <a:stCxn id="6" idx="2"/>
-            <a:endCxn id="7" idx="0"/>
-          </p:cNvCxnSpPr>
-          <p:nvPr/>
-        </p:nvCxnSpPr>
-        <p:spPr bwMode="auto">
-          <a:xfrm>
-            <a:off x="4739258" y="2420888"/>
-            <a:ext cx="0" cy="576064"/>
-          </a:xfrm>
-          <a:prstGeom prst="straightConnector1">
-            <a:avLst/>
-          </a:prstGeom>
-          <a:solidFill>
-            <a:schemeClr val="accent1"/>
-          </a:solidFill>
-          <a:ln w="9525" cap="flat" cmpd="sng" algn="ctr">
-            <a:solidFill>
-              <a:schemeClr val="tx1"/>
-            </a:solidFill>
-            <a:prstDash val="solid"/>
-            <a:round/>
-            <a:headEnd type="none" w="med" len="med"/>
-            <a:tailEnd type="triangle"/>
-          </a:ln>
-          <a:effectLst/>
-        </p:spPr>
-      </p:cxnSp>
-      <p:cxnSp>
-        <p:nvCxnSpPr>
-          <p:cNvPr id="12" name="Gerade Verbindung mit Pfeil 11">
-            <a:extLst>
-              <a:ext uri="{FF2B5EF4-FFF2-40B4-BE49-F238E27FC236}">
-                <a16:creationId xmlns:a16="http://schemas.microsoft.com/office/drawing/2014/main" id="{E343C7FB-6329-44E2-8A57-95821AB9340F}"/>
-              </a:ext>
-            </a:extLst>
-          </p:cNvPr>
-          <p:cNvCxnSpPr>
-            <a:cxnSpLocks/>
-            <a:stCxn id="7" idx="2"/>
-            <a:endCxn id="8" idx="0"/>
-          </p:cNvCxnSpPr>
-          <p:nvPr/>
-        </p:nvCxnSpPr>
-        <p:spPr bwMode="auto">
-          <a:xfrm>
-            <a:off x="4739258" y="3645024"/>
-            <a:ext cx="0" cy="576064"/>
-          </a:xfrm>
-          <a:prstGeom prst="straightConnector1">
-            <a:avLst/>
-          </a:prstGeom>
-          <a:solidFill>
-            <a:schemeClr val="accent1"/>
-          </a:solidFill>
-          <a:ln w="9525" cap="flat" cmpd="sng" algn="ctr">
-            <a:solidFill>
-              <a:schemeClr val="tx1"/>
-            </a:solidFill>
-            <a:prstDash val="solid"/>
-            <a:round/>
-            <a:headEnd type="none" w="med" len="med"/>
-            <a:tailEnd type="triangle"/>
-          </a:ln>
-          <a:effectLst/>
-        </p:spPr>
-      </p:cxnSp>
     </p:spTree>
     <p:extLst>
       <p:ext uri="{BB962C8B-B14F-4D97-AF65-F5344CB8AC3E}">
-        <p14:creationId xmlns:p14="http://schemas.microsoft.com/office/powerpoint/2010/main" val="3374481444"/>
+        <p14:creationId xmlns:p14="http://schemas.microsoft.com/office/powerpoint/2010/main" val="2961565669"/>
       </p:ext>
     </p:extLst>
   </p:cSld>
@@ -4714,6 +4711,12 @@
               <a:rPr lang="de-DE" dirty="0"/>
               <a:t>Keine Technologie ist perfekt für jeden Anwendungsfall geeignet</a:t>
             </a:r>
+          </a:p>
+          <a:p>
+            <a:pPr marL="0" indent="0">
+              <a:buNone/>
+            </a:pPr>
+            <a:endParaRPr lang="de-DE" dirty="0"/>
           </a:p>
           <a:p>
             <a:pPr marL="0" indent="0">
@@ -4966,11 +4969,11 @@
               <a:rPr lang="de-DE" dirty="0">
                 <a:hlinkClick r:id="rId2"/>
               </a:rPr>
-              <a:t>https://pocketnow.com/wp-content/uploads/2014/07/smartwatch-lineup-android-wear-pebble-gear-fit.jpg</a:t>
+              <a:t>https://www.nahverkehrhamburg.de/wp-content/uploads/20130926-dsc_5120.jpg</a:t>
             </a:r>
             <a:r>
               <a:rPr lang="de-DE" dirty="0"/>
-              <a:t> (Zugriff: 04.01.2019 16:05 Uhr)</a:t>
+              <a:t> (Zugriff: 06.01.2019 20:49 Uhr)</a:t>
             </a:r>
           </a:p>
           <a:p>
@@ -4978,11 +4981,11 @@
               <a:rPr lang="de-DE" dirty="0">
                 <a:hlinkClick r:id="rId3"/>
               </a:rPr>
-              <a:t>https://www.langweiledich.net/wp-content/uploads/2018/04/Canon-PIXMA-TR8550-Testbericht_11.jpg</a:t>
+              <a:t>https://pocketnow.com/wp-content/uploads/2014/07/smartwatch-lineup-android-wear-pebble-gear-fit.jpg</a:t>
             </a:r>
             <a:r>
               <a:rPr lang="de-DE" dirty="0"/>
-              <a:t> (Zugriff: 06.01.2019 20:49 Uhr)</a:t>
+              <a:t> (Zugriff: 04.01.2019 16:05 Uhr)</a:t>
             </a:r>
           </a:p>
           <a:p>
@@ -4990,7 +4993,7 @@
               <a:rPr lang="de-DE" dirty="0">
                 <a:hlinkClick r:id="rId4"/>
               </a:rPr>
-              <a:t>https://www.nahverkehrhamburg.de/wp-content/uploads/20130926-dsc_5120.jpg</a:t>
+              <a:t>https://www.langweiledich.net/wp-content/uploads/2018/04/Canon-PIXMA-TR8550-Testbericht_11.jpg</a:t>
             </a:r>
             <a:r>
               <a:rPr lang="de-DE" dirty="0"/>
@@ -5393,7 +5396,7 @@
             </a:pPr>
             <a:r>
               <a:rPr lang="de-DE" dirty="0"/>
-              <a:t>In dieser Diplomarbeit soll eine neue moderne Lösung unter dem Namen Flower entstehen, welche eine hardwarenahe Programmierung für graphische Benutzeroberflächen ermöglichen soll.</a:t>
+              <a:t>In dieser Diplomarbeit soll eine neue moderne Technologie unter dem Namen Flower entstehen, welche eine hardwarenahe Programmierung für graphische Benutzeroberflächen ermöglichen soll. Diese Technologie ist prototypisch zu validieren.</a:t>
             </a:r>
           </a:p>
           <a:p>
@@ -5457,10 +5460,38 @@
       </p:grpSpPr>
       <p:sp>
         <p:nvSpPr>
-          <p:cNvPr id="2" name="Inhaltsplatzhalter 1">
+          <p:cNvPr id="2" name="Titel 1">
             <a:extLst>
               <a:ext uri="{FF2B5EF4-FFF2-40B4-BE49-F238E27FC236}">
-                <a16:creationId xmlns:a16="http://schemas.microsoft.com/office/drawing/2014/main" id="{0BCAACA1-CDCC-4489-A705-8F7EA67D0079}"/>
+                <a16:creationId xmlns:a16="http://schemas.microsoft.com/office/drawing/2014/main" id="{7D1B698B-9BCA-4075-A242-965F88256888}"/>
+              </a:ext>
+            </a:extLst>
+          </p:cNvPr>
+          <p:cNvSpPr>
+            <a:spLocks noGrp="1"/>
+          </p:cNvSpPr>
+          <p:nvPr>
+            <p:ph type="title"/>
+          </p:nvPr>
+        </p:nvSpPr>
+        <p:spPr/>
+        <p:txBody>
+          <a:bodyPr/>
+          <a:lstStyle/>
+          <a:p>
+            <a:r>
+              <a:rPr lang="de-DE" dirty="0"/>
+              <a:t>Problemstellung &amp; Leitthese</a:t>
+            </a:r>
+          </a:p>
+        </p:txBody>
+      </p:sp>
+      <p:sp>
+        <p:nvSpPr>
+          <p:cNvPr id="3" name="Inhaltsplatzhalter 2">
+            <a:extLst>
+              <a:ext uri="{FF2B5EF4-FFF2-40B4-BE49-F238E27FC236}">
+                <a16:creationId xmlns:a16="http://schemas.microsoft.com/office/drawing/2014/main" id="{03BD6B17-6772-4B4D-8962-30DB239F483A}"/>
               </a:ext>
             </a:extLst>
           </p:cNvPr>
@@ -5476,119 +5507,61 @@
           <a:bodyPr/>
           <a:lstStyle/>
           <a:p>
-            <a:pPr marL="457200" indent="-457200">
-              <a:buFont typeface="+mj-lt"/>
-              <a:buAutoNum type="arabicPeriod"/>
+            <a:pPr marL="0" indent="0">
+              <a:buNone/>
             </a:pPr>
+            <a:endParaRPr lang="de-DE" dirty="0"/>
+          </a:p>
+          <a:p>
+            <a:pPr marL="0" indent="0">
+              <a:buNone/>
+            </a:pPr>
+            <a:endParaRPr lang="de-DE" dirty="0"/>
+          </a:p>
+          <a:p>
+            <a:pPr marL="0" indent="0">
+              <a:buNone/>
+            </a:pPr>
+            <a:endParaRPr lang="de-DE" dirty="0"/>
+          </a:p>
+          <a:p>
+            <a:pPr marL="0" indent="0">
+              <a:buNone/>
+            </a:pPr>
+            <a:endParaRPr lang="de-DE" dirty="0"/>
+          </a:p>
+          <a:p>
+            <a:pPr marL="0" indent="0">
+              <a:buNone/>
+            </a:pPr>
             <a:r>
               <a:rPr lang="de-DE" dirty="0"/>
-              <a:t>Motivation</a:t>
-            </a:r>
-          </a:p>
-          <a:p>
-            <a:pPr marL="457200" indent="-457200">
-              <a:buFont typeface="+mj-lt"/>
-              <a:buAutoNum type="arabicPeriod"/>
-            </a:pPr>
-            <a:r>
-              <a:rPr lang="de-DE" dirty="0"/>
-              <a:t>Begriffsklärungen und Begriffsunterscheidungen</a:t>
-            </a:r>
-          </a:p>
-          <a:p>
-            <a:pPr marL="457200" indent="-457200">
-              <a:buFont typeface="+mj-lt"/>
-              <a:buAutoNum type="arabicPeriod"/>
-            </a:pPr>
-            <a:r>
-              <a:rPr lang="de-DE" dirty="0"/>
-              <a:t>Vorbetrachtungen zu Möglichkeiten der Programmierung von Benutzeroberflächen</a:t>
-            </a:r>
-          </a:p>
-          <a:p>
-            <a:pPr marL="457200" indent="-457200">
-              <a:buFont typeface="+mj-lt"/>
-              <a:buAutoNum type="arabicPeriod"/>
-            </a:pPr>
-            <a:r>
-              <a:rPr lang="de-DE" dirty="0"/>
-              <a:t>Auszeichnungssprachen</a:t>
-            </a:r>
-          </a:p>
-          <a:p>
-            <a:pPr marL="457200" indent="-457200">
-              <a:buFont typeface="+mj-lt"/>
-              <a:buAutoNum type="arabicPeriod"/>
-            </a:pPr>
-            <a:r>
-              <a:rPr lang="de-DE" dirty="0"/>
-              <a:t>Bewertung von aktuellen Technologien zur Eignung für hardwarenahe Benutzeroberflächengestaltung</a:t>
-            </a:r>
-          </a:p>
-          <a:p>
-            <a:pPr marL="457200" indent="-457200">
-              <a:buFont typeface="+mj-lt"/>
-              <a:buAutoNum type="arabicPeriod"/>
-            </a:pPr>
-            <a:r>
-              <a:rPr lang="de-DE" dirty="0"/>
-              <a:t>Prototypische Entwicklung</a:t>
-            </a:r>
-          </a:p>
-          <a:p>
-            <a:pPr marL="457200" indent="-457200">
-              <a:buFont typeface="+mj-lt"/>
-              <a:buAutoNum type="arabicPeriod"/>
-            </a:pPr>
-            <a:r>
-              <a:rPr lang="de-DE" dirty="0"/>
-              <a:t>Abschließende Bemerkungen</a:t>
-            </a:r>
-          </a:p>
-          <a:p>
-            <a:pPr marL="457200" indent="-457200">
-              <a:buFont typeface="+mj-lt"/>
-              <a:buAutoNum type="arabicPeriod"/>
-            </a:pPr>
-            <a:r>
-              <a:rPr lang="de-DE" dirty="0"/>
-              <a:t>Quellenverzeichnis</a:t>
-            </a:r>
-          </a:p>
-        </p:txBody>
-      </p:sp>
-      <p:sp>
-        <p:nvSpPr>
-          <p:cNvPr id="3" name="Titel 2">
-            <a:extLst>
-              <a:ext uri="{FF2B5EF4-FFF2-40B4-BE49-F238E27FC236}">
-                <a16:creationId xmlns:a16="http://schemas.microsoft.com/office/drawing/2014/main" id="{A5B060C7-06AB-409E-9350-A4C0FAB00E34}"/>
-              </a:ext>
-            </a:extLst>
-          </p:cNvPr>
-          <p:cNvSpPr>
-            <a:spLocks noGrp="1"/>
-          </p:cNvSpPr>
-          <p:nvPr>
-            <p:ph type="title"/>
-          </p:nvPr>
-        </p:nvSpPr>
-        <p:spPr/>
-        <p:txBody>
-          <a:bodyPr/>
-          <a:lstStyle/>
-          <a:p>
-            <a:r>
-              <a:rPr lang="de-DE" dirty="0"/>
-              <a:t>Einordnung des Vortrags in die Diplomarbeit</a:t>
-            </a:r>
+              <a:t>2 Schwerpunkte:</a:t>
+            </a:r>
+          </a:p>
+          <a:p>
+            <a:r>
+              <a:rPr lang="de-DE" altLang="de-DE" dirty="0">
+                <a:latin typeface="Arial" panose="020B0604020202020204" pitchFamily="34" charset="0"/>
+              </a:rPr>
+              <a:t>Programmierung von graphischen Benutzeroberflächen </a:t>
+            </a:r>
+          </a:p>
+          <a:p>
+            <a:r>
+              <a:rPr lang="de-DE" altLang="de-DE" dirty="0">
+                <a:latin typeface="Arial" panose="020B0604020202020204" pitchFamily="34" charset="0"/>
+              </a:rPr>
+              <a:t>Hardwarenahe Programmierung</a:t>
+            </a:r>
+            <a:endParaRPr lang="de-DE" dirty="0"/>
           </a:p>
         </p:txBody>
       </p:sp>
     </p:spTree>
     <p:extLst>
       <p:ext uri="{BB962C8B-B14F-4D97-AF65-F5344CB8AC3E}">
-        <p14:creationId xmlns:p14="http://schemas.microsoft.com/office/powerpoint/2010/main" val="2523716958"/>
+        <p14:creationId xmlns:p14="http://schemas.microsoft.com/office/powerpoint/2010/main" val="2265538576"/>
       </p:ext>
     </p:extLst>
   </p:cSld>
@@ -5636,56 +5609,83 @@
           <a:bodyPr/>
           <a:lstStyle/>
           <a:p>
-            <a:pPr marL="0" indent="0">
-              <a:buNone/>
+            <a:pPr marL="457200" indent="-457200">
+              <a:buFont typeface="+mj-lt"/>
+              <a:buAutoNum type="arabicPeriod"/>
             </a:pPr>
             <a:r>
               <a:rPr lang="de-DE" dirty="0"/>
-              <a:t>Modernes Software-Konzept für Benutzeroberflächengestaltung:</a:t>
-            </a:r>
-          </a:p>
-          <a:p>
+              <a:t>Motivation</a:t>
+            </a:r>
+          </a:p>
+          <a:p>
+            <a:pPr marL="457200" indent="-457200">
+              <a:buFont typeface="+mj-lt"/>
+              <a:buAutoNum type="arabicPeriod"/>
+            </a:pPr>
             <a:r>
               <a:rPr lang="de-DE" dirty="0"/>
-              <a:t>Model-View-</a:t>
-            </a:r>
-            <a:r>
-              <a:rPr lang="de-DE" dirty="0" err="1"/>
-              <a:t>Presenter</a:t>
-            </a:r>
+              <a:t>Begriffsklärungen und Begriffsunterscheidungen</a:t>
+            </a:r>
+          </a:p>
+          <a:p>
+            <a:pPr marL="457200" indent="-457200">
+              <a:buFont typeface="+mj-lt"/>
+              <a:buAutoNum type="arabicPeriod"/>
+            </a:pPr>
             <a:r>
               <a:rPr lang="de-DE" dirty="0"/>
-              <a:t> (MVP)</a:t>
-            </a:r>
-          </a:p>
-          <a:p>
-            <a:pPr marL="0" indent="0">
-              <a:buNone/>
+              <a:t>Vorbetrachtungen zu Möglichkeiten der Programmierung von Benutzeroberflächen</a:t>
+            </a:r>
+          </a:p>
+          <a:p>
+            <a:pPr marL="457200" indent="-457200">
+              <a:buFont typeface="+mj-lt"/>
+              <a:buAutoNum type="arabicPeriod"/>
             </a:pPr>
-            <a:endParaRPr lang="de-DE" dirty="0"/>
-          </a:p>
-          <a:p>
-            <a:pPr marL="0" indent="0">
-              <a:buNone/>
+            <a:r>
+              <a:rPr lang="de-DE" dirty="0"/>
+              <a:t>Auszeichnungssprachen</a:t>
+            </a:r>
+          </a:p>
+          <a:p>
+            <a:pPr marL="457200" indent="-457200">
+              <a:buFont typeface="+mj-lt"/>
+              <a:buAutoNum type="arabicPeriod"/>
             </a:pPr>
             <a:r>
               <a:rPr lang="de-DE" dirty="0"/>
-              <a:t>Anforderungen an die Programmierung von Benutzeroberflächen</a:t>
-            </a:r>
-          </a:p>
-          <a:p>
-            <a:pPr marL="0" indent="0">
-              <a:buNone/>
+              <a:t>Bewertung von aktuellen Technologien zur Eignung für hardwarenahe Benutzeroberflächengestaltung</a:t>
+            </a:r>
+          </a:p>
+          <a:p>
+            <a:pPr marL="457200" indent="-457200">
+              <a:buFont typeface="+mj-lt"/>
+              <a:buAutoNum type="arabicPeriod"/>
             </a:pPr>
-            <a:endParaRPr lang="de-DE" dirty="0"/>
-          </a:p>
-          <a:p>
-            <a:pPr marL="0" indent="0">
-              <a:buNone/>
+            <a:r>
+              <a:rPr lang="de-DE" dirty="0"/>
+              <a:t>Prototypische Entwicklung</a:t>
+            </a:r>
+          </a:p>
+          <a:p>
+            <a:pPr marL="457200" indent="-457200">
+              <a:buFont typeface="+mj-lt"/>
+              <a:buAutoNum type="arabicPeriod"/>
             </a:pPr>
             <a:r>
               <a:rPr lang="de-DE" dirty="0"/>
-              <a:t>Anforderungen durch hardwarenahe Programmierung</a:t>
+              <a:t>Abschließende Bemerkungen</a:t>
+            </a:r>
+          </a:p>
+          <a:p>
+            <a:pPr marL="457200" indent="-457200">
+              <a:buFont typeface="+mj-lt"/>
+              <a:buAutoNum type="arabicPeriod"/>
+            </a:pPr>
+            <a:r>
+              <a:rPr lang="de-DE" dirty="0"/>
+              <a:t>Quellenverzeichnis</a:t>
             </a:r>
           </a:p>
         </p:txBody>
@@ -5713,7 +5713,7 @@
           <a:p>
             <a:r>
               <a:rPr lang="de-DE" dirty="0"/>
-              <a:t>Auszug aus Vorbetrachtungen</a:t>
+              <a:t>Einordnung des Vortrags in die Diplomarbeit</a:t>
             </a:r>
           </a:p>
         </p:txBody>
@@ -5721,7 +5721,7 @@
     </p:spTree>
     <p:extLst>
       <p:ext uri="{BB962C8B-B14F-4D97-AF65-F5344CB8AC3E}">
-        <p14:creationId xmlns:p14="http://schemas.microsoft.com/office/powerpoint/2010/main" val="3407439107"/>
+        <p14:creationId xmlns:p14="http://schemas.microsoft.com/office/powerpoint/2010/main" val="2523716958"/>
       </p:ext>
     </p:extLst>
   </p:cSld>
